--- a/SYP - Markus Reis/Social Media.pptx
+++ b/SYP - Markus Reis/Social Media.pptx
@@ -8,6 +8,11 @@
     <p:sldId id="256" r:id="rId2"/>
     <p:sldId id="257" r:id="rId3"/>
     <p:sldId id="258" r:id="rId4"/>
+    <p:sldId id="259" r:id="rId5"/>
+    <p:sldId id="260" r:id="rId6"/>
+    <p:sldId id="262" r:id="rId7"/>
+    <p:sldId id="263" r:id="rId8"/>
+    <p:sldId id="264" r:id="rId9"/>
   </p:sldIdLst>
   <p:sldSz cx="12192000" cy="6858000"/>
   <p:notesSz cx="6858000" cy="9144000"/>
@@ -106,6 +111,11 @@
       </a:defRPr>
     </a:lvl9pPr>
   </p:defaultTextStyle>
+  <p:extLst>
+    <p:ext uri="{EFAFB233-063F-42B5-8137-9DF3F51BA10A}">
+      <p15:sldGuideLst xmlns:p15="http://schemas.microsoft.com/office/powerpoint/2012/main"/>
+    </p:ext>
+  </p:extLst>
 </p:presentation>
 </file>
 
@@ -3366,9 +3376,14 @@
           <a:lstStyle/>
           <a:p>
             <a:r>
-              <a:rPr lang="en-GB" dirty="0"/>
-              <a:t>Social Media</a:t>
-            </a:r>
+              <a:rPr lang="de-AT"/>
+              <a:t>Social</a:t>
+            </a:r>
+            <a:r>
+              <a:rPr lang="en-GB"/>
+              <a:t> Media</a:t>
+            </a:r>
+            <a:endParaRPr lang="en-GB" dirty="0"/>
           </a:p>
         </p:txBody>
       </p:sp>
@@ -3394,9 +3409,10 @@
           <a:lstStyle/>
           <a:p>
             <a:r>
-              <a:rPr lang="en-GB" dirty="0"/>
+              <a:rPr lang="en-GB"/>
               <a:t>Eine Presentation von Armin Schneider</a:t>
             </a:r>
+            <a:endParaRPr lang="en-GB" dirty="0"/>
           </a:p>
         </p:txBody>
       </p:sp>
@@ -3452,35 +3468,96 @@
           <a:lstStyle/>
           <a:p>
             <a:r>
+              <a:rPr lang="de-AT" dirty="0"/>
+              <a:t>Inhalt</a:t>
+            </a:r>
+          </a:p>
+        </p:txBody>
+      </p:sp>
+      <p:sp>
+        <p:nvSpPr>
+          <p:cNvPr id="3" name="Inhaltsplatzhalter 2">
+            <a:extLst>
+              <a:ext uri="{FF2B5EF4-FFF2-40B4-BE49-F238E27FC236}">
+                <a16:creationId xmlns:a16="http://schemas.microsoft.com/office/drawing/2014/main" id="{610CDFAF-66EE-4CCC-B42E-5FF8EBC672B3}"/>
+              </a:ext>
+            </a:extLst>
+          </p:cNvPr>
+          <p:cNvSpPr>
+            <a:spLocks noGrp="1"/>
+          </p:cNvSpPr>
+          <p:nvPr>
+            <p:ph idx="1"/>
+          </p:nvPr>
+        </p:nvSpPr>
+        <p:spPr/>
+        <p:txBody>
+          <a:bodyPr/>
+          <a:lstStyle/>
+          <a:p>
+            <a:r>
+              <a:rPr lang="en-GB" dirty="0"/>
+              <a:t>Was </a:t>
+            </a:r>
+            <a:r>
               <a:rPr lang="en-GB" dirty="0" err="1"/>
-              <a:t>Übersicht</a:t>
-            </a:r>
+              <a:t>ist</a:t>
+            </a:r>
+            <a:r>
+              <a:rPr lang="en-GB" dirty="0"/>
+              <a:t> Social Media</a:t>
+            </a:r>
+          </a:p>
+          <a:p>
             <a:endParaRPr lang="en-GB" dirty="0"/>
           </a:p>
-        </p:txBody>
-      </p:sp>
-      <p:sp>
-        <p:nvSpPr>
-          <p:cNvPr id="3" name="Inhaltsplatzhalter 2">
-            <a:extLst>
-              <a:ext uri="{FF2B5EF4-FFF2-40B4-BE49-F238E27FC236}">
-                <a16:creationId xmlns:a16="http://schemas.microsoft.com/office/drawing/2014/main" id="{610CDFAF-66EE-4CCC-B42E-5FF8EBC672B3}"/>
-              </a:ext>
-            </a:extLst>
-          </p:cNvPr>
-          <p:cNvSpPr>
-            <a:spLocks noGrp="1"/>
-          </p:cNvSpPr>
-          <p:nvPr>
-            <p:ph idx="1"/>
-          </p:nvPr>
-        </p:nvSpPr>
-        <p:spPr/>
-        <p:txBody>
-          <a:bodyPr/>
-          <a:lstStyle/>
-          <a:p>
-            <a:endParaRPr lang="en-GB"/>
+          <a:p>
+            <a:r>
+              <a:rPr lang="en-GB" dirty="0"/>
+              <a:t>Wie </a:t>
+            </a:r>
+            <a:r>
+              <a:rPr lang="en-GB" dirty="0" err="1"/>
+              <a:t>benutzen</a:t>
+            </a:r>
+            <a:r>
+              <a:rPr lang="en-GB" dirty="0"/>
+              <a:t> </a:t>
+            </a:r>
+            <a:r>
+              <a:rPr lang="en-GB" dirty="0" err="1"/>
+              <a:t>wir</a:t>
+            </a:r>
+            <a:r>
+              <a:rPr lang="en-GB" dirty="0"/>
+              <a:t> Social Media</a:t>
+            </a:r>
+          </a:p>
+          <a:p>
+            <a:endParaRPr lang="en-GB" dirty="0"/>
+          </a:p>
+          <a:p>
+            <a:r>
+              <a:rPr lang="en-GB" dirty="0" err="1"/>
+              <a:t>Welche</a:t>
+            </a:r>
+            <a:r>
+              <a:rPr lang="en-GB" dirty="0"/>
+              <a:t> </a:t>
+            </a:r>
+            <a:r>
+              <a:rPr lang="en-GB" dirty="0" err="1"/>
+              <a:t>Auswirken</a:t>
+            </a:r>
+            <a:r>
+              <a:rPr lang="en-GB" dirty="0"/>
+              <a:t> hat Social Media auf </a:t>
+            </a:r>
+            <a:r>
+              <a:rPr lang="en-GB" dirty="0" err="1"/>
+              <a:t>uns</a:t>
+            </a:r>
+            <a:endParaRPr lang="en-GB" dirty="0"/>
           </a:p>
         </p:txBody>
       </p:sp>
@@ -3536,18 +3613,17 @@
           <a:lstStyle/>
           <a:p>
             <a:r>
-              <a:rPr lang="en-GB" dirty="0"/>
-              <a:t>Was </a:t>
-            </a:r>
-            <a:r>
-              <a:rPr lang="en-GB" dirty="0" err="1"/>
-              <a:t>bedeutet</a:t>
-            </a:r>
-            <a:r>
-              <a:rPr lang="en-GB"/>
-              <a:t> “Social Media”?</a:t>
-            </a:r>
-            <a:endParaRPr lang="en-GB" dirty="0"/>
+              <a:rPr lang="de-AT" dirty="0"/>
+              <a:t>Was bedeutet “</a:t>
+            </a:r>
+            <a:r>
+              <a:rPr lang="de-AT" dirty="0" err="1"/>
+              <a:t>Social</a:t>
+            </a:r>
+            <a:r>
+              <a:rPr lang="de-AT" dirty="0"/>
+              <a:t> Media”?</a:t>
+            </a:r>
           </a:p>
         </p:txBody>
       </p:sp>
@@ -3572,7 +3648,23 @@
           <a:bodyPr/>
           <a:lstStyle/>
           <a:p>
-            <a:endParaRPr lang="en-GB"/>
+            <a:r>
+              <a:rPr lang="de-DE" dirty="0"/>
+              <a:t>Über das Internet zu vernetzen</a:t>
+            </a:r>
+          </a:p>
+          <a:p>
+            <a:r>
+              <a:rPr lang="de-DE" dirty="0"/>
+              <a:t>Informationsaustausch</a:t>
+            </a:r>
+          </a:p>
+          <a:p>
+            <a:r>
+              <a:rPr lang="de-DE" dirty="0"/>
+              <a:t>Zwei oder mehrere Personen</a:t>
+            </a:r>
+            <a:endParaRPr lang="de-AT" dirty="0"/>
           </a:p>
         </p:txBody>
       </p:sp>
@@ -3580,6 +3672,655 @@
     <p:extLst>
       <p:ext uri="{BB962C8B-B14F-4D97-AF65-F5344CB8AC3E}">
         <p14:creationId xmlns:p14="http://schemas.microsoft.com/office/powerpoint/2010/main" val="2727707049"/>
+      </p:ext>
+    </p:extLst>
+  </p:cSld>
+  <p:clrMapOvr>
+    <a:masterClrMapping/>
+  </p:clrMapOvr>
+</p:sld>
+</file>
+
+<file path=ppt/slides/slide4.xml><?xml version="1.0" encoding="utf-8"?>
+<p:sld xmlns:a="http://schemas.openxmlformats.org/drawingml/2006/main" xmlns:r="http://schemas.openxmlformats.org/officeDocument/2006/relationships" xmlns:p="http://schemas.openxmlformats.org/presentationml/2006/main">
+  <p:cSld>
+    <p:spTree>
+      <p:nvGrpSpPr>
+        <p:cNvPr id="1" name=""/>
+        <p:cNvGrpSpPr/>
+        <p:nvPr/>
+      </p:nvGrpSpPr>
+      <p:grpSpPr>
+        <a:xfrm>
+          <a:off x="0" y="0"/>
+          <a:ext cx="0" cy="0"/>
+          <a:chOff x="0" y="0"/>
+          <a:chExt cx="0" cy="0"/>
+        </a:xfrm>
+      </p:grpSpPr>
+      <p:sp>
+        <p:nvSpPr>
+          <p:cNvPr id="2" name="Titel 1">
+            <a:extLst>
+              <a:ext uri="{FF2B5EF4-FFF2-40B4-BE49-F238E27FC236}">
+                <a16:creationId xmlns:a16="http://schemas.microsoft.com/office/drawing/2014/main" id="{204605BE-642F-4033-8282-B14A744D97C3}"/>
+              </a:ext>
+            </a:extLst>
+          </p:cNvPr>
+          <p:cNvSpPr>
+            <a:spLocks noGrp="1"/>
+          </p:cNvSpPr>
+          <p:nvPr>
+            <p:ph type="title"/>
+          </p:nvPr>
+        </p:nvSpPr>
+        <p:spPr/>
+        <p:txBody>
+          <a:bodyPr/>
+          <a:lstStyle/>
+          <a:p>
+            <a:r>
+              <a:rPr lang="de-AT"/>
+              <a:t>Beispiele</a:t>
+            </a:r>
+            <a:endParaRPr lang="de-AT" dirty="0"/>
+          </a:p>
+        </p:txBody>
+      </p:sp>
+      <p:pic>
+        <p:nvPicPr>
+          <p:cNvPr id="11" name="Grafik 10">
+            <a:extLst>
+              <a:ext uri="{FF2B5EF4-FFF2-40B4-BE49-F238E27FC236}">
+                <a16:creationId xmlns:a16="http://schemas.microsoft.com/office/drawing/2014/main" id="{B336B4F7-0FEB-412E-81DD-7F42178CA0F0}"/>
+              </a:ext>
+            </a:extLst>
+          </p:cNvPr>
+          <p:cNvPicPr>
+            <a:picLocks noChangeAspect="1"/>
+          </p:cNvPicPr>
+          <p:nvPr/>
+        </p:nvPicPr>
+        <p:blipFill>
+          <a:blip r:embed="rId2">
+            <a:extLst>
+              <a:ext uri="{28A0092B-C50C-407E-A947-70E740481C1C}">
+                <a14:useLocalDpi xmlns:a14="http://schemas.microsoft.com/office/drawing/2010/main" val="0"/>
+              </a:ext>
+            </a:extLst>
+          </a:blip>
+          <a:stretch>
+            <a:fillRect/>
+          </a:stretch>
+        </p:blipFill>
+        <p:spPr>
+          <a:xfrm>
+            <a:off x="3943208" y="888206"/>
+            <a:ext cx="6837908" cy="6858000"/>
+          </a:xfrm>
+          <a:prstGeom prst="rect">
+            <a:avLst/>
+          </a:prstGeom>
+        </p:spPr>
+      </p:pic>
+      <p:pic>
+        <p:nvPicPr>
+          <p:cNvPr id="17" name="Grafik 16">
+            <a:extLst>
+              <a:ext uri="{FF2B5EF4-FFF2-40B4-BE49-F238E27FC236}">
+                <a16:creationId xmlns:a16="http://schemas.microsoft.com/office/drawing/2014/main" id="{6673DEF6-EBD0-4083-B3C2-E52A1A6D9A78}"/>
+              </a:ext>
+            </a:extLst>
+          </p:cNvPr>
+          <p:cNvPicPr>
+            <a:picLocks noChangeAspect="1"/>
+          </p:cNvPicPr>
+          <p:nvPr/>
+        </p:nvPicPr>
+        <p:blipFill>
+          <a:blip r:embed="rId3">
+            <a:extLst>
+              <a:ext uri="{28A0092B-C50C-407E-A947-70E740481C1C}">
+                <a14:useLocalDpi xmlns:a14="http://schemas.microsoft.com/office/drawing/2010/main" val="0"/>
+              </a:ext>
+            </a:extLst>
+          </a:blip>
+          <a:stretch>
+            <a:fillRect/>
+          </a:stretch>
+        </p:blipFill>
+        <p:spPr>
+          <a:xfrm>
+            <a:off x="0" y="990599"/>
+            <a:ext cx="4876800" cy="4876800"/>
+          </a:xfrm>
+          <a:prstGeom prst="rect">
+            <a:avLst/>
+          </a:prstGeom>
+        </p:spPr>
+      </p:pic>
+      <p:pic>
+        <p:nvPicPr>
+          <p:cNvPr id="19" name="Grafik 18">
+            <a:extLst>
+              <a:ext uri="{FF2B5EF4-FFF2-40B4-BE49-F238E27FC236}">
+                <a16:creationId xmlns:a16="http://schemas.microsoft.com/office/drawing/2014/main" id="{454ED7A9-A062-4DAD-B579-88AD3EBFBF90}"/>
+              </a:ext>
+            </a:extLst>
+          </p:cNvPr>
+          <p:cNvPicPr>
+            <a:picLocks noChangeAspect="1"/>
+          </p:cNvPicPr>
+          <p:nvPr/>
+        </p:nvPicPr>
+        <p:blipFill>
+          <a:blip r:embed="rId4">
+            <a:extLst>
+              <a:ext uri="{28A0092B-C50C-407E-A947-70E740481C1C}">
+                <a14:useLocalDpi xmlns:a14="http://schemas.microsoft.com/office/drawing/2010/main" val="0"/>
+              </a:ext>
+            </a:extLst>
+          </a:blip>
+          <a:stretch>
+            <a:fillRect/>
+          </a:stretch>
+        </p:blipFill>
+        <p:spPr>
+          <a:xfrm>
+            <a:off x="5024437" y="2631281"/>
+            <a:ext cx="2143125" cy="2143125"/>
+          </a:xfrm>
+          <a:prstGeom prst="rect">
+            <a:avLst/>
+          </a:prstGeom>
+        </p:spPr>
+      </p:pic>
+      <p:pic>
+        <p:nvPicPr>
+          <p:cNvPr id="25" name="Grafik 24">
+            <a:extLst>
+              <a:ext uri="{FF2B5EF4-FFF2-40B4-BE49-F238E27FC236}">
+                <a16:creationId xmlns:a16="http://schemas.microsoft.com/office/drawing/2014/main" id="{40C18835-C790-4388-8E13-3F13AB8240F2}"/>
+              </a:ext>
+            </a:extLst>
+          </p:cNvPr>
+          <p:cNvPicPr>
+            <a:picLocks noChangeAspect="1"/>
+          </p:cNvPicPr>
+          <p:nvPr/>
+        </p:nvPicPr>
+        <p:blipFill>
+          <a:blip r:embed="rId5">
+            <a:extLst>
+              <a:ext uri="{28A0092B-C50C-407E-A947-70E740481C1C}">
+                <a14:useLocalDpi xmlns:a14="http://schemas.microsoft.com/office/drawing/2010/main" val="0"/>
+              </a:ext>
+            </a:extLst>
+          </a:blip>
+          <a:stretch>
+            <a:fillRect/>
+          </a:stretch>
+        </p:blipFill>
+        <p:spPr>
+          <a:xfrm>
+            <a:off x="1429905" y="2863753"/>
+            <a:ext cx="3881238" cy="3881238"/>
+          </a:xfrm>
+          <a:prstGeom prst="rect">
+            <a:avLst/>
+          </a:prstGeom>
+        </p:spPr>
+      </p:pic>
+      <p:pic>
+        <p:nvPicPr>
+          <p:cNvPr id="47" name="Grafik 46">
+            <a:extLst>
+              <a:ext uri="{FF2B5EF4-FFF2-40B4-BE49-F238E27FC236}">
+                <a16:creationId xmlns:a16="http://schemas.microsoft.com/office/drawing/2014/main" id="{1D27A0BA-4634-4536-85BA-6F08D894CC6D}"/>
+              </a:ext>
+            </a:extLst>
+          </p:cNvPr>
+          <p:cNvPicPr>
+            <a:picLocks noChangeAspect="1"/>
+          </p:cNvPicPr>
+          <p:nvPr/>
+        </p:nvPicPr>
+        <p:blipFill>
+          <a:blip r:embed="rId6">
+            <a:extLst>
+              <a:ext uri="{28A0092B-C50C-407E-A947-70E740481C1C}">
+                <a14:useLocalDpi xmlns:a14="http://schemas.microsoft.com/office/drawing/2010/main" val="0"/>
+              </a:ext>
+            </a:extLst>
+          </a:blip>
+          <a:stretch>
+            <a:fillRect/>
+          </a:stretch>
+        </p:blipFill>
+        <p:spPr>
+          <a:xfrm>
+            <a:off x="2741732" y="103483"/>
+            <a:ext cx="6858000" cy="6858000"/>
+          </a:xfrm>
+          <a:prstGeom prst="rect">
+            <a:avLst/>
+          </a:prstGeom>
+        </p:spPr>
+      </p:pic>
+      <p:pic>
+        <p:nvPicPr>
+          <p:cNvPr id="57" name="Grafik 56" descr="Ein Bild, das Text, ClipArt enthält.&#10;&#10;Automatisch generierte Beschreibung">
+            <a:extLst>
+              <a:ext uri="{FF2B5EF4-FFF2-40B4-BE49-F238E27FC236}">
+                <a16:creationId xmlns:a16="http://schemas.microsoft.com/office/drawing/2014/main" id="{FB9C4E3B-520E-4AEC-9821-321A1812A3C0}"/>
+              </a:ext>
+            </a:extLst>
+          </p:cNvPr>
+          <p:cNvPicPr>
+            <a:picLocks noChangeAspect="1"/>
+          </p:cNvPicPr>
+          <p:nvPr/>
+        </p:nvPicPr>
+        <p:blipFill>
+          <a:blip r:embed="rId7">
+            <a:extLst>
+              <a:ext uri="{28A0092B-C50C-407E-A947-70E740481C1C}">
+                <a14:useLocalDpi xmlns:a14="http://schemas.microsoft.com/office/drawing/2010/main" val="0"/>
+              </a:ext>
+            </a:extLst>
+          </a:blip>
+          <a:stretch>
+            <a:fillRect/>
+          </a:stretch>
+        </p:blipFill>
+        <p:spPr>
+          <a:xfrm>
+            <a:off x="2132132" y="1427319"/>
+            <a:ext cx="8527869" cy="5065554"/>
+          </a:xfrm>
+          <a:prstGeom prst="rect">
+            <a:avLst/>
+          </a:prstGeom>
+        </p:spPr>
+      </p:pic>
+    </p:spTree>
+    <p:extLst>
+      <p:ext uri="{BB962C8B-B14F-4D97-AF65-F5344CB8AC3E}">
+        <p14:creationId xmlns:p14="http://schemas.microsoft.com/office/powerpoint/2010/main" val="90762601"/>
+      </p:ext>
+    </p:extLst>
+  </p:cSld>
+  <p:clrMapOvr>
+    <a:masterClrMapping/>
+  </p:clrMapOvr>
+</p:sld>
+</file>
+
+<file path=ppt/slides/slide5.xml><?xml version="1.0" encoding="utf-8"?>
+<p:sld xmlns:a="http://schemas.openxmlformats.org/drawingml/2006/main" xmlns:r="http://schemas.openxmlformats.org/officeDocument/2006/relationships" xmlns:p="http://schemas.openxmlformats.org/presentationml/2006/main">
+  <p:cSld>
+    <p:spTree>
+      <p:nvGrpSpPr>
+        <p:cNvPr id="1" name=""/>
+        <p:cNvGrpSpPr/>
+        <p:nvPr/>
+      </p:nvGrpSpPr>
+      <p:grpSpPr>
+        <a:xfrm>
+          <a:off x="0" y="0"/>
+          <a:ext cx="0" cy="0"/>
+          <a:chOff x="0" y="0"/>
+          <a:chExt cx="0" cy="0"/>
+        </a:xfrm>
+      </p:grpSpPr>
+      <p:sp>
+        <p:nvSpPr>
+          <p:cNvPr id="2" name="Titel 1">
+            <a:extLst>
+              <a:ext uri="{FF2B5EF4-FFF2-40B4-BE49-F238E27FC236}">
+                <a16:creationId xmlns:a16="http://schemas.microsoft.com/office/drawing/2014/main" id="{20040832-B7B8-425C-A38F-8FAA9E0891D9}"/>
+              </a:ext>
+            </a:extLst>
+          </p:cNvPr>
+          <p:cNvSpPr>
+            <a:spLocks noGrp="1"/>
+          </p:cNvSpPr>
+          <p:nvPr>
+            <p:ph type="title"/>
+          </p:nvPr>
+        </p:nvSpPr>
+        <p:spPr/>
+        <p:txBody>
+          <a:bodyPr/>
+          <a:lstStyle/>
+          <a:p>
+            <a:r>
+              <a:rPr lang="de-AT" dirty="0"/>
+              <a:t>Instagram &amp; Facebook</a:t>
+            </a:r>
+          </a:p>
+        </p:txBody>
+      </p:sp>
+      <p:sp>
+        <p:nvSpPr>
+          <p:cNvPr id="3" name="Inhaltsplatzhalter 2">
+            <a:extLst>
+              <a:ext uri="{FF2B5EF4-FFF2-40B4-BE49-F238E27FC236}">
+                <a16:creationId xmlns:a16="http://schemas.microsoft.com/office/drawing/2014/main" id="{22AFDA69-6074-4C57-9FC6-21C6932AB518}"/>
+              </a:ext>
+            </a:extLst>
+          </p:cNvPr>
+          <p:cNvSpPr>
+            <a:spLocks noGrp="1"/>
+          </p:cNvSpPr>
+          <p:nvPr>
+            <p:ph idx="1"/>
+          </p:nvPr>
+        </p:nvSpPr>
+        <p:spPr/>
+        <p:txBody>
+          <a:bodyPr/>
+          <a:lstStyle/>
+          <a:p>
+            <a:r>
+              <a:rPr lang="de-AT" dirty="0"/>
+              <a:t>Fotos Hochladen</a:t>
+            </a:r>
+          </a:p>
+          <a:p>
+            <a:r>
+              <a:rPr lang="de-AT" dirty="0"/>
+              <a:t>Mit Freunden schreiben</a:t>
+            </a:r>
+          </a:p>
+          <a:p>
+            <a:r>
+              <a:rPr lang="de-AT" dirty="0"/>
+              <a:t>Bilder liken und teilen</a:t>
+            </a:r>
+          </a:p>
+        </p:txBody>
+      </p:sp>
+    </p:spTree>
+    <p:extLst>
+      <p:ext uri="{BB962C8B-B14F-4D97-AF65-F5344CB8AC3E}">
+        <p14:creationId xmlns:p14="http://schemas.microsoft.com/office/powerpoint/2010/main" val="3639138191"/>
+      </p:ext>
+    </p:extLst>
+  </p:cSld>
+  <p:clrMapOvr>
+    <a:masterClrMapping/>
+  </p:clrMapOvr>
+</p:sld>
+</file>
+
+<file path=ppt/slides/slide6.xml><?xml version="1.0" encoding="utf-8"?>
+<p:sld xmlns:a="http://schemas.openxmlformats.org/drawingml/2006/main" xmlns:r="http://schemas.openxmlformats.org/officeDocument/2006/relationships" xmlns:p="http://schemas.openxmlformats.org/presentationml/2006/main">
+  <p:cSld>
+    <p:spTree>
+      <p:nvGrpSpPr>
+        <p:cNvPr id="1" name=""/>
+        <p:cNvGrpSpPr/>
+        <p:nvPr/>
+      </p:nvGrpSpPr>
+      <p:grpSpPr>
+        <a:xfrm>
+          <a:off x="0" y="0"/>
+          <a:ext cx="0" cy="0"/>
+          <a:chOff x="0" y="0"/>
+          <a:chExt cx="0" cy="0"/>
+        </a:xfrm>
+      </p:grpSpPr>
+      <p:sp>
+        <p:nvSpPr>
+          <p:cNvPr id="2" name="Titel 1">
+            <a:extLst>
+              <a:ext uri="{FF2B5EF4-FFF2-40B4-BE49-F238E27FC236}">
+                <a16:creationId xmlns:a16="http://schemas.microsoft.com/office/drawing/2014/main" id="{C333A728-4515-4747-BDA7-17D7947B6527}"/>
+              </a:ext>
+            </a:extLst>
+          </p:cNvPr>
+          <p:cNvSpPr>
+            <a:spLocks noGrp="1"/>
+          </p:cNvSpPr>
+          <p:nvPr>
+            <p:ph type="title"/>
+          </p:nvPr>
+        </p:nvSpPr>
+        <p:spPr/>
+        <p:txBody>
+          <a:bodyPr/>
+          <a:lstStyle/>
+          <a:p>
+            <a:r>
+              <a:rPr lang="de-AT" dirty="0"/>
+              <a:t>Wofür</a:t>
+            </a:r>
+            <a:r>
+              <a:rPr lang="en-GB" dirty="0"/>
+              <a:t> </a:t>
+            </a:r>
+            <a:r>
+              <a:rPr lang="de-AT" dirty="0"/>
+              <a:t>benutzen</a:t>
+            </a:r>
+            <a:r>
+              <a:rPr lang="en-GB" dirty="0"/>
+              <a:t> </a:t>
+            </a:r>
+            <a:r>
+              <a:rPr lang="de-AT" dirty="0"/>
+              <a:t>wir “</a:t>
+            </a:r>
+            <a:r>
+              <a:rPr lang="de-AT" dirty="0" err="1"/>
+              <a:t>Social</a:t>
+            </a:r>
+            <a:r>
+              <a:rPr lang="de-AT" dirty="0"/>
+              <a:t> Media”</a:t>
+            </a:r>
+          </a:p>
+        </p:txBody>
+      </p:sp>
+      <p:sp>
+        <p:nvSpPr>
+          <p:cNvPr id="5" name="Inhaltsplatzhalter 4">
+            <a:extLst>
+              <a:ext uri="{FF2B5EF4-FFF2-40B4-BE49-F238E27FC236}">
+                <a16:creationId xmlns:a16="http://schemas.microsoft.com/office/drawing/2014/main" id="{6143B1A0-7781-45DF-8441-1E1ECAD6815D}"/>
+              </a:ext>
+            </a:extLst>
+          </p:cNvPr>
+          <p:cNvSpPr>
+            <a:spLocks noGrp="1"/>
+          </p:cNvSpPr>
+          <p:nvPr>
+            <p:ph idx="1"/>
+          </p:nvPr>
+        </p:nvSpPr>
+        <p:spPr/>
+        <p:txBody>
+          <a:bodyPr/>
+          <a:lstStyle/>
+          <a:p>
+            <a:r>
+              <a:rPr lang="de-AT" dirty="0"/>
+              <a:t>Bestätigung und </a:t>
+            </a:r>
+          </a:p>
+        </p:txBody>
+      </p:sp>
+    </p:spTree>
+    <p:extLst>
+      <p:ext uri="{BB962C8B-B14F-4D97-AF65-F5344CB8AC3E}">
+        <p14:creationId xmlns:p14="http://schemas.microsoft.com/office/powerpoint/2010/main" val="611812543"/>
+      </p:ext>
+    </p:extLst>
+  </p:cSld>
+  <p:clrMapOvr>
+    <a:masterClrMapping/>
+  </p:clrMapOvr>
+</p:sld>
+</file>
+
+<file path=ppt/slides/slide7.xml><?xml version="1.0" encoding="utf-8"?>
+<p:sld xmlns:a="http://schemas.openxmlformats.org/drawingml/2006/main" xmlns:r="http://schemas.openxmlformats.org/officeDocument/2006/relationships" xmlns:p="http://schemas.openxmlformats.org/presentationml/2006/main">
+  <p:cSld>
+    <p:spTree>
+      <p:nvGrpSpPr>
+        <p:cNvPr id="1" name=""/>
+        <p:cNvGrpSpPr/>
+        <p:nvPr/>
+      </p:nvGrpSpPr>
+      <p:grpSpPr>
+        <a:xfrm>
+          <a:off x="0" y="0"/>
+          <a:ext cx="0" cy="0"/>
+          <a:chOff x="0" y="0"/>
+          <a:chExt cx="0" cy="0"/>
+        </a:xfrm>
+      </p:grpSpPr>
+      <p:sp>
+        <p:nvSpPr>
+          <p:cNvPr id="5" name="Titel 4">
+            <a:extLst>
+              <a:ext uri="{FF2B5EF4-FFF2-40B4-BE49-F238E27FC236}">
+                <a16:creationId xmlns:a16="http://schemas.microsoft.com/office/drawing/2014/main" id="{053E7F6D-CCF8-4F7C-8CE5-C057E4291F32}"/>
+              </a:ext>
+            </a:extLst>
+          </p:cNvPr>
+          <p:cNvSpPr>
+            <a:spLocks noGrp="1"/>
+          </p:cNvSpPr>
+          <p:nvPr>
+            <p:ph type="title"/>
+          </p:nvPr>
+        </p:nvSpPr>
+        <p:spPr/>
+        <p:txBody>
+          <a:bodyPr/>
+          <a:lstStyle/>
+          <a:p>
+            <a:r>
+              <a:rPr lang="de-AT" dirty="0"/>
+              <a:t>Welche Auswirkungen hat das?</a:t>
+            </a:r>
+          </a:p>
+        </p:txBody>
+      </p:sp>
+      <p:sp>
+        <p:nvSpPr>
+          <p:cNvPr id="6" name="Inhaltsplatzhalter 5">
+            <a:extLst>
+              <a:ext uri="{FF2B5EF4-FFF2-40B4-BE49-F238E27FC236}">
+                <a16:creationId xmlns:a16="http://schemas.microsoft.com/office/drawing/2014/main" id="{105A09DF-C3E4-4F3D-86A5-35358720373E}"/>
+              </a:ext>
+            </a:extLst>
+          </p:cNvPr>
+          <p:cNvSpPr>
+            <a:spLocks noGrp="1"/>
+          </p:cNvSpPr>
+          <p:nvPr>
+            <p:ph idx="1"/>
+          </p:nvPr>
+        </p:nvSpPr>
+        <p:spPr/>
+        <p:txBody>
+          <a:bodyPr/>
+          <a:lstStyle/>
+          <a:p>
+            <a:endParaRPr lang="de-AT" dirty="0"/>
+          </a:p>
+        </p:txBody>
+      </p:sp>
+    </p:spTree>
+    <p:extLst>
+      <p:ext uri="{BB962C8B-B14F-4D97-AF65-F5344CB8AC3E}">
+        <p14:creationId xmlns:p14="http://schemas.microsoft.com/office/powerpoint/2010/main" val="839152118"/>
+      </p:ext>
+    </p:extLst>
+  </p:cSld>
+  <p:clrMapOvr>
+    <a:masterClrMapping/>
+  </p:clrMapOvr>
+</p:sld>
+</file>
+
+<file path=ppt/slides/slide8.xml><?xml version="1.0" encoding="utf-8"?>
+<p:sld xmlns:a="http://schemas.openxmlformats.org/drawingml/2006/main" xmlns:r="http://schemas.openxmlformats.org/officeDocument/2006/relationships" xmlns:p="http://schemas.openxmlformats.org/presentationml/2006/main">
+  <p:cSld>
+    <p:spTree>
+      <p:nvGrpSpPr>
+        <p:cNvPr id="1" name=""/>
+        <p:cNvGrpSpPr/>
+        <p:nvPr/>
+      </p:nvGrpSpPr>
+      <p:grpSpPr>
+        <a:xfrm>
+          <a:off x="0" y="0"/>
+          <a:ext cx="0" cy="0"/>
+          <a:chOff x="0" y="0"/>
+          <a:chExt cx="0" cy="0"/>
+        </a:xfrm>
+      </p:grpSpPr>
+      <p:sp>
+        <p:nvSpPr>
+          <p:cNvPr id="2" name="Titel 1">
+            <a:extLst>
+              <a:ext uri="{FF2B5EF4-FFF2-40B4-BE49-F238E27FC236}">
+                <a16:creationId xmlns:a16="http://schemas.microsoft.com/office/drawing/2014/main" id="{02157D8F-EF20-453B-B20F-6E4E49BB01A0}"/>
+              </a:ext>
+            </a:extLst>
+          </p:cNvPr>
+          <p:cNvSpPr>
+            <a:spLocks noGrp="1"/>
+          </p:cNvSpPr>
+          <p:nvPr>
+            <p:ph type="title"/>
+          </p:nvPr>
+        </p:nvSpPr>
+        <p:spPr/>
+        <p:txBody>
+          <a:bodyPr/>
+          <a:lstStyle/>
+          <a:p>
+            <a:r>
+              <a:rPr lang="de-AT" dirty="0"/>
+              <a:t>Meine Meinung</a:t>
+            </a:r>
+          </a:p>
+        </p:txBody>
+      </p:sp>
+      <p:sp>
+        <p:nvSpPr>
+          <p:cNvPr id="3" name="Inhaltsplatzhalter 2">
+            <a:extLst>
+              <a:ext uri="{FF2B5EF4-FFF2-40B4-BE49-F238E27FC236}">
+                <a16:creationId xmlns:a16="http://schemas.microsoft.com/office/drawing/2014/main" id="{17B956E4-A509-4B7A-8647-B69E67643F66}"/>
+              </a:ext>
+            </a:extLst>
+          </p:cNvPr>
+          <p:cNvSpPr>
+            <a:spLocks noGrp="1"/>
+          </p:cNvSpPr>
+          <p:nvPr>
+            <p:ph idx="1"/>
+          </p:nvPr>
+        </p:nvSpPr>
+        <p:spPr/>
+        <p:txBody>
+          <a:bodyPr/>
+          <a:lstStyle/>
+          <a:p>
+            <a:endParaRPr lang="de-AT"/>
+          </a:p>
+        </p:txBody>
+      </p:sp>
+    </p:spTree>
+    <p:extLst>
+      <p:ext uri="{BB962C8B-B14F-4D97-AF65-F5344CB8AC3E}">
+        <p14:creationId xmlns:p14="http://schemas.microsoft.com/office/powerpoint/2010/main" val="1487322904"/>
       </p:ext>
     </p:extLst>
   </p:cSld>

--- a/SYP - Markus Reis/Social Media.pptx
+++ b/SYP - Markus Reis/Social Media.pptx
@@ -119,6 +119,35 @@
 </p:presentation>
 </file>
 
+<file path=ppt/changesInfos/changesInfo1.xml><?xml version="1.0" encoding="utf-8"?>
+<pc:chgInfo xmlns:a="http://schemas.openxmlformats.org/drawingml/2006/main" xmlns:r="http://schemas.openxmlformats.org/officeDocument/2006/relationships" xmlns:ac="http://schemas.microsoft.com/office/drawing/2013/main/command" xmlns:pc="http://schemas.microsoft.com/office/powerpoint/2013/main/command">
+  <pc:docChgLst>
+    <pc:chgData name="Armin Schneider" userId="4904bfd93c97bef6" providerId="LiveId" clId="{1D18939A-55D1-40C5-B02F-BD9A9B02EC49}"/>
+    <pc:docChg chg="modSld">
+      <pc:chgData name="Armin Schneider" userId="4904bfd93c97bef6" providerId="LiveId" clId="{1D18939A-55D1-40C5-B02F-BD9A9B02EC49}" dt="2021-11-17T11:58:07.214" v="74" actId="20577"/>
+      <pc:docMkLst>
+        <pc:docMk/>
+      </pc:docMkLst>
+      <pc:sldChg chg="modSp mod">
+        <pc:chgData name="Armin Schneider" userId="4904bfd93c97bef6" providerId="LiveId" clId="{1D18939A-55D1-40C5-B02F-BD9A9B02EC49}" dt="2021-11-17T11:58:07.214" v="74" actId="20577"/>
+        <pc:sldMkLst>
+          <pc:docMk/>
+          <pc:sldMk cId="2356244875" sldId="257"/>
+        </pc:sldMkLst>
+        <pc:spChg chg="mod">
+          <ac:chgData name="Armin Schneider" userId="4904bfd93c97bef6" providerId="LiveId" clId="{1D18939A-55D1-40C5-B02F-BD9A9B02EC49}" dt="2021-11-17T11:58:07.214" v="74" actId="20577"/>
+          <ac:spMkLst>
+            <pc:docMk/>
+            <pc:sldMk cId="2356244875" sldId="257"/>
+            <ac:spMk id="3" creationId="{610CDFAF-66EE-4CCC-B42E-5FF8EBC672B3}"/>
+          </ac:spMkLst>
+        </pc:spChg>
+      </pc:sldChg>
+    </pc:docChg>
+  </pc:docChgLst>
+</pc:chgInfo>
+</file>
+
 <file path=ppt/slideLayouts/slideLayout1.xml><?xml version="1.0" encoding="utf-8"?>
 <p:sldLayout xmlns:a="http://schemas.openxmlformats.org/drawingml/2006/main" xmlns:r="http://schemas.openxmlformats.org/officeDocument/2006/relationships" xmlns:p="http://schemas.openxmlformats.org/presentationml/2006/main" type="title" preserve="1">
   <p:cSld name="Titelfolie">
@@ -268,7 +297,7 @@
           <a:p>
             <a:fld id="{11D0A7DA-C8FE-46E0-B1CA-57003F76905F}" type="datetimeFigureOut">
               <a:rPr lang="en-GB" smtClean="0"/>
-              <a:t>16/11/2021</a:t>
+              <a:t>17/11/2021</a:t>
             </a:fld>
             <a:endParaRPr lang="en-GB"/>
           </a:p>
@@ -322,7 +351,7 @@
           <a:p>
             <a:fld id="{B6F10E09-B740-4D4D-A351-BFCF3862470F}" type="slidenum">
               <a:rPr lang="en-GB" smtClean="0"/>
-              <a:t>‹Nr.›</a:t>
+              <a:t>‹#›</a:t>
             </a:fld>
             <a:endParaRPr lang="en-GB"/>
           </a:p>
@@ -468,7 +497,7 @@
           <a:p>
             <a:fld id="{11D0A7DA-C8FE-46E0-B1CA-57003F76905F}" type="datetimeFigureOut">
               <a:rPr lang="en-GB" smtClean="0"/>
-              <a:t>16/11/2021</a:t>
+              <a:t>17/11/2021</a:t>
             </a:fld>
             <a:endParaRPr lang="en-GB"/>
           </a:p>
@@ -522,7 +551,7 @@
           <a:p>
             <a:fld id="{B6F10E09-B740-4D4D-A351-BFCF3862470F}" type="slidenum">
               <a:rPr lang="en-GB" smtClean="0"/>
-              <a:t>‹Nr.›</a:t>
+              <a:t>‹#›</a:t>
             </a:fld>
             <a:endParaRPr lang="en-GB"/>
           </a:p>
@@ -678,7 +707,7 @@
           <a:p>
             <a:fld id="{11D0A7DA-C8FE-46E0-B1CA-57003F76905F}" type="datetimeFigureOut">
               <a:rPr lang="en-GB" smtClean="0"/>
-              <a:t>16/11/2021</a:t>
+              <a:t>17/11/2021</a:t>
             </a:fld>
             <a:endParaRPr lang="en-GB"/>
           </a:p>
@@ -732,7 +761,7 @@
           <a:p>
             <a:fld id="{B6F10E09-B740-4D4D-A351-BFCF3862470F}" type="slidenum">
               <a:rPr lang="en-GB" smtClean="0"/>
-              <a:t>‹Nr.›</a:t>
+              <a:t>‹#›</a:t>
             </a:fld>
             <a:endParaRPr lang="en-GB"/>
           </a:p>
@@ -878,7 +907,7 @@
           <a:p>
             <a:fld id="{11D0A7DA-C8FE-46E0-B1CA-57003F76905F}" type="datetimeFigureOut">
               <a:rPr lang="en-GB" smtClean="0"/>
-              <a:t>16/11/2021</a:t>
+              <a:t>17/11/2021</a:t>
             </a:fld>
             <a:endParaRPr lang="en-GB"/>
           </a:p>
@@ -932,7 +961,7 @@
           <a:p>
             <a:fld id="{B6F10E09-B740-4D4D-A351-BFCF3862470F}" type="slidenum">
               <a:rPr lang="en-GB" smtClean="0"/>
-              <a:t>‹Nr.›</a:t>
+              <a:t>‹#›</a:t>
             </a:fld>
             <a:endParaRPr lang="en-GB"/>
           </a:p>
@@ -1154,7 +1183,7 @@
           <a:p>
             <a:fld id="{11D0A7DA-C8FE-46E0-B1CA-57003F76905F}" type="datetimeFigureOut">
               <a:rPr lang="en-GB" smtClean="0"/>
-              <a:t>16/11/2021</a:t>
+              <a:t>17/11/2021</a:t>
             </a:fld>
             <a:endParaRPr lang="en-GB"/>
           </a:p>
@@ -1208,7 +1237,7 @@
           <a:p>
             <a:fld id="{B6F10E09-B740-4D4D-A351-BFCF3862470F}" type="slidenum">
               <a:rPr lang="en-GB" smtClean="0"/>
-              <a:t>‹Nr.›</a:t>
+              <a:t>‹#›</a:t>
             </a:fld>
             <a:endParaRPr lang="en-GB"/>
           </a:p>
@@ -1422,7 +1451,7 @@
           <a:p>
             <a:fld id="{11D0A7DA-C8FE-46E0-B1CA-57003F76905F}" type="datetimeFigureOut">
               <a:rPr lang="en-GB" smtClean="0"/>
-              <a:t>16/11/2021</a:t>
+              <a:t>17/11/2021</a:t>
             </a:fld>
             <a:endParaRPr lang="en-GB"/>
           </a:p>
@@ -1476,7 +1505,7 @@
           <a:p>
             <a:fld id="{B6F10E09-B740-4D4D-A351-BFCF3862470F}" type="slidenum">
               <a:rPr lang="en-GB" smtClean="0"/>
-              <a:t>‹Nr.›</a:t>
+              <a:t>‹#›</a:t>
             </a:fld>
             <a:endParaRPr lang="en-GB"/>
           </a:p>
@@ -1837,7 +1866,7 @@
           <a:p>
             <a:fld id="{11D0A7DA-C8FE-46E0-B1CA-57003F76905F}" type="datetimeFigureOut">
               <a:rPr lang="en-GB" smtClean="0"/>
-              <a:t>16/11/2021</a:t>
+              <a:t>17/11/2021</a:t>
             </a:fld>
             <a:endParaRPr lang="en-GB"/>
           </a:p>
@@ -1891,7 +1920,7 @@
           <a:p>
             <a:fld id="{B6F10E09-B740-4D4D-A351-BFCF3862470F}" type="slidenum">
               <a:rPr lang="en-GB" smtClean="0"/>
-              <a:t>‹Nr.›</a:t>
+              <a:t>‹#›</a:t>
             </a:fld>
             <a:endParaRPr lang="en-GB"/>
           </a:p>
@@ -1979,7 +2008,7 @@
           <a:p>
             <a:fld id="{11D0A7DA-C8FE-46E0-B1CA-57003F76905F}" type="datetimeFigureOut">
               <a:rPr lang="en-GB" smtClean="0"/>
-              <a:t>16/11/2021</a:t>
+              <a:t>17/11/2021</a:t>
             </a:fld>
             <a:endParaRPr lang="en-GB"/>
           </a:p>
@@ -2033,7 +2062,7 @@
           <a:p>
             <a:fld id="{B6F10E09-B740-4D4D-A351-BFCF3862470F}" type="slidenum">
               <a:rPr lang="en-GB" smtClean="0"/>
-              <a:t>‹Nr.›</a:t>
+              <a:t>‹#›</a:t>
             </a:fld>
             <a:endParaRPr lang="en-GB"/>
           </a:p>
@@ -2092,7 +2121,7 @@
           <a:p>
             <a:fld id="{11D0A7DA-C8FE-46E0-B1CA-57003F76905F}" type="datetimeFigureOut">
               <a:rPr lang="en-GB" smtClean="0"/>
-              <a:t>16/11/2021</a:t>
+              <a:t>17/11/2021</a:t>
             </a:fld>
             <a:endParaRPr lang="en-GB"/>
           </a:p>
@@ -2146,7 +2175,7 @@
           <a:p>
             <a:fld id="{B6F10E09-B740-4D4D-A351-BFCF3862470F}" type="slidenum">
               <a:rPr lang="en-GB" smtClean="0"/>
-              <a:t>‹Nr.›</a:t>
+              <a:t>‹#›</a:t>
             </a:fld>
             <a:endParaRPr lang="en-GB"/>
           </a:p>
@@ -2405,7 +2434,7 @@
           <a:p>
             <a:fld id="{11D0A7DA-C8FE-46E0-B1CA-57003F76905F}" type="datetimeFigureOut">
               <a:rPr lang="en-GB" smtClean="0"/>
-              <a:t>16/11/2021</a:t>
+              <a:t>17/11/2021</a:t>
             </a:fld>
             <a:endParaRPr lang="en-GB"/>
           </a:p>
@@ -2459,7 +2488,7 @@
           <a:p>
             <a:fld id="{B6F10E09-B740-4D4D-A351-BFCF3862470F}" type="slidenum">
               <a:rPr lang="en-GB" smtClean="0"/>
-              <a:t>‹Nr.›</a:t>
+              <a:t>‹#›</a:t>
             </a:fld>
             <a:endParaRPr lang="en-GB"/>
           </a:p>
@@ -2694,7 +2723,7 @@
           <a:p>
             <a:fld id="{11D0A7DA-C8FE-46E0-B1CA-57003F76905F}" type="datetimeFigureOut">
               <a:rPr lang="en-GB" smtClean="0"/>
-              <a:t>16/11/2021</a:t>
+              <a:t>17/11/2021</a:t>
             </a:fld>
             <a:endParaRPr lang="en-GB"/>
           </a:p>
@@ -2748,7 +2777,7 @@
           <a:p>
             <a:fld id="{B6F10E09-B740-4D4D-A351-BFCF3862470F}" type="slidenum">
               <a:rPr lang="en-GB" smtClean="0"/>
-              <a:t>‹Nr.›</a:t>
+              <a:t>‹#›</a:t>
             </a:fld>
             <a:endParaRPr lang="en-GB"/>
           </a:p>
@@ -2937,7 +2966,7 @@
           <a:p>
             <a:fld id="{11D0A7DA-C8FE-46E0-B1CA-57003F76905F}" type="datetimeFigureOut">
               <a:rPr lang="en-GB" smtClean="0"/>
-              <a:t>16/11/2021</a:t>
+              <a:t>17/11/2021</a:t>
             </a:fld>
             <a:endParaRPr lang="en-GB"/>
           </a:p>
@@ -3027,7 +3056,7 @@
           <a:p>
             <a:fld id="{B6F10E09-B740-4D4D-A351-BFCF3862470F}" type="slidenum">
               <a:rPr lang="en-GB" smtClean="0"/>
-              <a:t>‹Nr.›</a:t>
+              <a:t>‹#›</a:t>
             </a:fld>
             <a:endParaRPr lang="en-GB"/>
           </a:p>
@@ -3559,6 +3588,27 @@
             </a:r>
             <a:endParaRPr lang="en-GB" dirty="0"/>
           </a:p>
+          <a:p>
+            <a:endParaRPr lang="en-GB" dirty="0"/>
+          </a:p>
+          <a:p>
+            <a:r>
+              <a:rPr lang="en-GB" dirty="0" err="1"/>
+              <a:t>Welche</a:t>
+            </a:r>
+            <a:r>
+              <a:rPr lang="en-GB" dirty="0"/>
+              <a:t> </a:t>
+            </a:r>
+            <a:r>
+              <a:rPr lang="en-GB" dirty="0" err="1"/>
+              <a:t>Probleme</a:t>
+            </a:r>
+            <a:r>
+              <a:rPr lang="en-GB" dirty="0"/>
+              <a:t> hat Social Media in der Zukunft</a:t>
+            </a:r>
+          </a:p>
         </p:txBody>
       </p:sp>
     </p:spTree>
